--- a/docs/ETU DIT #7.pptx
+++ b/docs/ETU DIT #7.pptx
@@ -5457,8 +5457,8 @@
         </p:nvSpPr>
         <p:spPr>
           <a:xfrm>
-            <a:off x="599040" y="121320"/>
-            <a:ext cx="10794960" cy="1258560"/>
+            <a:off x="578160" y="34560"/>
+            <a:ext cx="10795320" cy="1258920"/>
           </a:xfrm>
           <a:prstGeom prst="rect">
             <a:avLst/>
@@ -5475,8 +5475,322 @@
           <a:fontRef idx="minor"/>
         </p:style>
         <p:txBody>
-          <a:bodyPr lIns="0" rIns="0" tIns="0" bIns="0" anchor="b">
-            <a:normAutofit/>
+          <a:bodyPr lIns="0" rIns="0" tIns="0" bIns="0" anchor="ctr">
+            <a:noAutofit/>
+          </a:bodyPr>
+          <a:p>
+            <a:pPr algn="ctr">
+              <a:lnSpc>
+                <a:spcPct val="100000"/>
+              </a:lnSpc>
+            </a:pPr>
+            <a:r>
+              <a:rPr b="0" lang="ru-RU" sz="4400" spc="-1" strike="noStrike">
+                <a:solidFill>
+                  <a:srgbClr val="000000"/>
+                </a:solidFill>
+                <a:latin typeface="Arial"/>
+                <a:ea typeface="DejaVu Sans"/>
+              </a:rPr>
+              <a:t>Применяемые протоколы</a:t>
+            </a:r>
+            <a:endParaRPr b="0" lang="ru-RU" sz="4400" spc="-1" strike="noStrike">
+              <a:latin typeface="Arial"/>
+            </a:endParaRPr>
+          </a:p>
+        </p:txBody>
+      </p:sp>
+      <p:sp>
+        <p:nvSpPr>
+          <p:cNvPr id="123" name="CustomShape 2"/>
+          <p:cNvSpPr/>
+          <p:nvPr/>
+        </p:nvSpPr>
+        <p:spPr>
+          <a:xfrm>
+            <a:off x="1658880" y="938520"/>
+            <a:ext cx="8853120" cy="3957480"/>
+          </a:xfrm>
+          <a:prstGeom prst="rect">
+            <a:avLst/>
+          </a:prstGeom>
+          <a:noFill/>
+          <a:ln>
+            <a:noFill/>
+          </a:ln>
+        </p:spPr>
+        <p:style>
+          <a:lnRef idx="0"/>
+          <a:fillRef idx="0"/>
+          <a:effectRef idx="0"/>
+          <a:fontRef idx="minor"/>
+        </p:style>
+        <p:txBody>
+          <a:bodyPr lIns="90000" rIns="90000" tIns="45000" bIns="45000">
+            <a:noAutofit/>
+          </a:bodyPr>
+          <a:p>
+            <a:pPr marL="216000" indent="-213480">
+              <a:lnSpc>
+                <a:spcPct val="100000"/>
+              </a:lnSpc>
+              <a:spcAft>
+                <a:spcPts val="1417"/>
+              </a:spcAft>
+              <a:buClr>
+                <a:srgbClr val="000000"/>
+              </a:buClr>
+              <a:buSzPct val="45000"/>
+              <a:buFont typeface="Wingdings" charset="2"/>
+              <a:buChar char=""/>
+            </a:pPr>
+            <a:r>
+              <a:rPr b="0" lang="ru-RU" sz="1600" spc="-1" strike="noStrike">
+                <a:solidFill>
+                  <a:srgbClr val="000000"/>
+                </a:solidFill>
+                <a:latin typeface="Open Sans"/>
+                <a:ea typeface="DejaVu Sans"/>
+              </a:rPr>
+              <a:t>WebSocket — если клиент и сервер поддерживают WebSocket</a:t>
+            </a:r>
+            <a:endParaRPr b="0" lang="ru-RU" sz="1600" spc="-1" strike="noStrike">
+              <a:latin typeface="Arial"/>
+            </a:endParaRPr>
+          </a:p>
+          <a:p>
+            <a:pPr marL="216000" indent="-213480">
+              <a:lnSpc>
+                <a:spcPct val="100000"/>
+              </a:lnSpc>
+              <a:spcAft>
+                <a:spcPts val="1417"/>
+              </a:spcAft>
+              <a:buClr>
+                <a:srgbClr val="000000"/>
+              </a:buClr>
+              <a:buSzPct val="45000"/>
+              <a:buFont typeface="Wingdings" charset="2"/>
+              <a:buChar char=""/>
+            </a:pPr>
+            <a:r>
+              <a:rPr b="0" lang="ru-RU" sz="1600" spc="-1" strike="noStrike">
+                <a:solidFill>
+                  <a:srgbClr val="000000"/>
+                </a:solidFill>
+                <a:latin typeface="Open Sans"/>
+                <a:ea typeface="DejaVu Sans"/>
+              </a:rPr>
+              <a:t>HTML5 EventSource — если не находимся в ситуации long polling, но клиент или сервер не поддерживает WebSocket</a:t>
+            </a:r>
+            <a:endParaRPr b="0" lang="ru-RU" sz="1600" spc="-1" strike="noStrike">
+              <a:latin typeface="Arial"/>
+            </a:endParaRPr>
+          </a:p>
+          <a:p>
+            <a:pPr marL="216000" indent="-213480">
+              <a:lnSpc>
+                <a:spcPct val="100000"/>
+              </a:lnSpc>
+              <a:spcAft>
+                <a:spcPts val="1417"/>
+              </a:spcAft>
+              <a:buClr>
+                <a:srgbClr val="000000"/>
+              </a:buClr>
+              <a:buSzPct val="45000"/>
+              <a:buFont typeface="Wingdings" charset="2"/>
+              <a:buChar char=""/>
+            </a:pPr>
+            <a:r>
+              <a:rPr b="0" lang="ru-RU" sz="1600" spc="-1" strike="noStrike">
+                <a:solidFill>
+                  <a:srgbClr val="000000"/>
+                </a:solidFill>
+                <a:latin typeface="Open Sans"/>
+                <a:ea typeface="DejaVu Sans"/>
+              </a:rPr>
+              <a:t>Forever Frame (IE only) — в случае, если ситуация подходит для EventSource, но они недоступны</a:t>
+            </a:r>
+            <a:endParaRPr b="0" lang="ru-RU" sz="1600" spc="-1" strike="noStrike">
+              <a:latin typeface="Arial"/>
+            </a:endParaRPr>
+          </a:p>
+          <a:p>
+            <a:pPr marL="216000" indent="-213480">
+              <a:lnSpc>
+                <a:spcPct val="100000"/>
+              </a:lnSpc>
+              <a:spcAft>
+                <a:spcPts val="1417"/>
+              </a:spcAft>
+              <a:buClr>
+                <a:srgbClr val="000000"/>
+              </a:buClr>
+              <a:buSzPct val="45000"/>
+              <a:buFont typeface="Wingdings" charset="2"/>
+              <a:buChar char=""/>
+            </a:pPr>
+            <a:r>
+              <a:rPr b="0" lang="ru-RU" sz="1600" spc="-1" strike="noStrike">
+                <a:solidFill>
+                  <a:srgbClr val="000000"/>
+                </a:solidFill>
+                <a:latin typeface="Open Sans"/>
+                <a:ea typeface="DejaVu Sans"/>
+              </a:rPr>
+              <a:t>Ajax long polling:</a:t>
+            </a:r>
+            <a:endParaRPr b="0" lang="ru-RU" sz="1600" spc="-1" strike="noStrike">
+              <a:latin typeface="Arial"/>
+            </a:endParaRPr>
+          </a:p>
+          <a:p>
+            <a:pPr lvl="1" marL="432000" indent="-216000">
+              <a:lnSpc>
+                <a:spcPct val="100000"/>
+              </a:lnSpc>
+              <a:spcAft>
+                <a:spcPts val="1417"/>
+              </a:spcAft>
+              <a:buClr>
+                <a:srgbClr val="000000"/>
+              </a:buClr>
+              <a:buSzPct val="45000"/>
+              <a:buFont typeface="Wingdings" charset="2"/>
+              <a:buChar char=""/>
+            </a:pPr>
+            <a:r>
+              <a:rPr b="0" lang="ru-RU" sz="1600" spc="-1" strike="noStrike">
+                <a:solidFill>
+                  <a:srgbClr val="000000"/>
+                </a:solidFill>
+                <a:latin typeface="Open Sans"/>
+                <a:ea typeface="DejaVu Sans"/>
+              </a:rPr>
+              <a:t>IE 8 или старше </a:t>
+            </a:r>
+            <a:endParaRPr b="0" lang="ru-RU" sz="1600" spc="-1" strike="noStrike">
+              <a:latin typeface="Arial"/>
+            </a:endParaRPr>
+          </a:p>
+          <a:p>
+            <a:pPr lvl="1" marL="432000" indent="-216000">
+              <a:lnSpc>
+                <a:spcPct val="100000"/>
+              </a:lnSpc>
+              <a:spcAft>
+                <a:spcPts val="1417"/>
+              </a:spcAft>
+              <a:buClr>
+                <a:srgbClr val="000000"/>
+              </a:buClr>
+              <a:buSzPct val="45000"/>
+              <a:buFont typeface="Wingdings" charset="2"/>
+              <a:buChar char=""/>
+            </a:pPr>
+            <a:r>
+              <a:rPr b="0" lang="ru-RU" sz="1600" spc="-1" strike="noStrike">
+                <a:solidFill>
+                  <a:srgbClr val="000000"/>
+                </a:solidFill>
+                <a:latin typeface="Open Sans"/>
+                <a:ea typeface="DejaVu Sans"/>
+              </a:rPr>
+              <a:t>включен JSONP </a:t>
+            </a:r>
+            <a:endParaRPr b="0" lang="ru-RU" sz="1600" spc="-1" strike="noStrike">
+              <a:latin typeface="Arial"/>
+            </a:endParaRPr>
+          </a:p>
+          <a:p>
+            <a:pPr lvl="1" marL="432000" indent="-216000">
+              <a:lnSpc>
+                <a:spcPct val="100000"/>
+              </a:lnSpc>
+              <a:spcAft>
+                <a:spcPts val="1417"/>
+              </a:spcAft>
+              <a:buClr>
+                <a:srgbClr val="000000"/>
+              </a:buClr>
+              <a:buSzPct val="45000"/>
+              <a:buFont typeface="Wingdings" charset="2"/>
+              <a:buChar char=""/>
+            </a:pPr>
+            <a:r>
+              <a:rPr b="0" lang="ru-RU" sz="1600" spc="-1" strike="noStrike">
+                <a:solidFill>
+                  <a:srgbClr val="000000"/>
+                </a:solidFill>
+                <a:latin typeface="Open Sans"/>
+                <a:ea typeface="DejaVu Sans"/>
+              </a:rPr>
+              <a:t>происходит cross-domain запрос и клиент или сервер не поддерживают WebSocket</a:t>
+            </a:r>
+            <a:endParaRPr b="0" lang="ru-RU" sz="1600" spc="-1" strike="noStrike">
+              <a:latin typeface="Arial"/>
+            </a:endParaRPr>
+          </a:p>
+          <a:p>
+            <a:pPr lvl="1" marL="432000" indent="-216000">
+              <a:lnSpc>
+                <a:spcPct val="100000"/>
+              </a:lnSpc>
+              <a:spcAft>
+                <a:spcPts val="1417"/>
+              </a:spcAft>
+              <a:buClr>
+                <a:srgbClr val="000000"/>
+              </a:buClr>
+              <a:buSzPct val="45000"/>
+              <a:buFont typeface="Wingdings" charset="2"/>
+              <a:buChar char=""/>
+            </a:pPr>
+            <a:r>
+              <a:rPr b="0" lang="ru-RU" sz="1600" spc="-1" strike="noStrike">
+                <a:solidFill>
+                  <a:srgbClr val="000000"/>
+                </a:solidFill>
+                <a:latin typeface="Open Sans"/>
+                <a:ea typeface="DejaVu Sans"/>
+              </a:rPr>
+              <a:t>попытка использовать Forever Frame не удалась</a:t>
+            </a:r>
+            <a:endParaRPr b="0" lang="ru-RU" sz="1600" spc="-1" strike="noStrike">
+              <a:latin typeface="Arial"/>
+            </a:endParaRPr>
+          </a:p>
+        </p:txBody>
+      </p:sp>
+      <p:sp>
+        <p:nvSpPr>
+          <p:cNvPr id="124" name="CustomShape 3"/>
+          <p:cNvSpPr/>
+          <p:nvPr/>
+        </p:nvSpPr>
+        <p:spPr>
+          <a:xfrm>
+            <a:off x="360000" y="5400000"/>
+            <a:ext cx="10795320" cy="1258920"/>
+          </a:xfrm>
+          <a:prstGeom prst="rect">
+            <a:avLst/>
+          </a:prstGeom>
+          <a:noFill/>
+          <a:ln>
+            <a:noFill/>
+          </a:ln>
+        </p:spPr>
+        <p:style>
+          <a:lnRef idx="0"/>
+          <a:fillRef idx="0"/>
+          <a:effectRef idx="0"/>
+          <a:fontRef idx="minor"/>
+        </p:style>
+        <p:txBody>
+          <a:bodyPr lIns="0" rIns="0" tIns="0" bIns="0" anchor="ctr">
+            <a:noAutofit/>
           </a:bodyPr>
           <a:p>
             <a:pPr>
@@ -5485,105 +5799,16 @@
               </a:lnSpc>
             </a:pPr>
             <a:r>
-              <a:rPr b="0" lang="ru-RU" sz="6000" spc="-1" strike="noStrike">
-                <a:solidFill>
-                  <a:srgbClr val="ffffff"/>
-                </a:solidFill>
-                <a:latin typeface="Source Sans Pro Light"/>
-                <a:ea typeface="DejaVu Sans"/>
-              </a:rPr>
-              <a:t>Razor — лабораторная работа #3</a:t>
-            </a:r>
-            <a:endParaRPr b="0" lang="ru-RU" sz="6000" spc="-1" strike="noStrike">
-              <a:latin typeface="Arial"/>
-            </a:endParaRPr>
-          </a:p>
-        </p:txBody>
-      </p:sp>
-      <p:sp>
-        <p:nvSpPr>
-          <p:cNvPr id="123" name="CustomShape 2"/>
-          <p:cNvSpPr/>
-          <p:nvPr/>
-        </p:nvSpPr>
-        <p:spPr>
-          <a:xfrm>
-            <a:off x="599040" y="1920240"/>
-            <a:ext cx="10735920" cy="4659840"/>
-          </a:xfrm>
-          <a:prstGeom prst="rect">
-            <a:avLst/>
-          </a:prstGeom>
-          <a:noFill/>
-          <a:ln>
-            <a:noFill/>
-          </a:ln>
-        </p:spPr>
-        <p:style>
-          <a:lnRef idx="0"/>
-          <a:fillRef idx="0"/>
-          <a:effectRef idx="0"/>
-          <a:fontRef idx="minor"/>
-        </p:style>
-        <p:txBody>
-          <a:bodyPr lIns="0" rIns="0" tIns="0" bIns="0">
-            <a:normAutofit/>
-          </a:bodyPr>
-          <a:p>
-            <a:pPr marL="432000" indent="-320400">
-              <a:lnSpc>
-                <a:spcPct val="100000"/>
-              </a:lnSpc>
-              <a:spcAft>
-                <a:spcPts val="1409"/>
-              </a:spcAft>
-              <a:buClr>
-                <a:srgbClr val="04617b"/>
-              </a:buClr>
-              <a:buSzPct val="45000"/>
-              <a:buFont typeface="Wingdings" charset="2"/>
-              <a:buChar char=""/>
-            </a:pPr>
-            <a:r>
-              <a:rPr b="0" lang="ru-RU" sz="3200" spc="-1" strike="noStrike">
+              <a:rPr b="0" lang="ru-RU" sz="2800" spc="-1" strike="noStrike">
                 <a:solidFill>
                   <a:srgbClr val="000000"/>
                 </a:solidFill>
-                <a:latin typeface="Source Sans Pro"/>
+                <a:latin typeface="Arial"/>
                 <a:ea typeface="DejaVu Sans"/>
               </a:rPr>
-              <a:t>Добавить Docker-контейнер с WebUI (реализованным на ASP.NET MVC &amp; Razor) к вашей сборке с получением данных из сервиса реализованного для задачи с SQL</a:t>
+              <a:t>Основы разработки корпоративных систем на платформе .NET</a:t>
             </a:r>
-            <a:endParaRPr b="0" lang="ru-RU" sz="3200" spc="-1" strike="noStrike">
-              <a:latin typeface="Arial"/>
-            </a:endParaRPr>
-          </a:p>
-          <a:p>
-            <a:pPr marL="432000" indent="-320400">
-              <a:lnSpc>
-                <a:spcPct val="100000"/>
-              </a:lnSpc>
-              <a:spcAft>
-                <a:spcPts val="1409"/>
-              </a:spcAft>
-              <a:buClr>
-                <a:srgbClr val="04617b"/>
-              </a:buClr>
-              <a:buSzPct val="45000"/>
-              <a:buFont typeface="Wingdings" charset="2"/>
-              <a:buChar char=""/>
-            </a:pPr>
-            <a:r>
-              <a:rPr b="0" lang="ru-RU" sz="3200" spc="-1" strike="noStrike">
-                <a:solidFill>
-                  <a:srgbClr val="000000"/>
-                </a:solidFill>
-                <a:latin typeface="Source Sans Pro"/>
-                <a:ea typeface="DejaVu Sans"/>
-              </a:rPr>
-              <a:t>О результатах пишите, пожалуйста, на kapeshekhonov@etu.ru</a:t>
-            </a:r>
-            <a:endParaRPr b="0" lang="ru-RU" sz="3200" spc="-1" strike="noStrike">
+            <a:endParaRPr b="0" lang="ru-RU" sz="2800" spc="-1" strike="noStrike">
               <a:latin typeface="Arial"/>
             </a:endParaRPr>
           </a:p>
@@ -5621,7 +5846,7 @@
       </p:grpSpPr>
       <p:sp>
         <p:nvSpPr>
-          <p:cNvPr id="124" name="CustomShape 1"/>
+          <p:cNvPr id="125" name="CustomShape 1"/>
           <p:cNvSpPr/>
           <p:nvPr/>
         </p:nvSpPr>
